--- a/ppt 16-9/1059.我心爱慕.pptx
+++ b/ppt 16-9/1059.我心爱慕.pptx
@@ -129,7 +129,7 @@
           <p:cNvPr id="2" name="标题 1">
             <a:extLst>
               <a:ext uri="{FF2B5EF4-FFF2-40B4-BE49-F238E27FC236}">
-                <a16:creationId xmlns:a16="http://schemas.microsoft.com/office/drawing/2014/main" id="{5627A39B-572F-7548-8ECE-552BCED00FE5}"/>
+                <a16:creationId xmlns:a16="http://schemas.microsoft.com/office/drawing/2014/main" id="{A15FF2F3-9D1C-9692-8D79-E227DF5D1BC2}"/>
               </a:ext>
             </a:extLst>
           </p:cNvPr>
@@ -166,7 +166,7 @@
           <p:cNvPr id="3" name="副标题 2">
             <a:extLst>
               <a:ext uri="{FF2B5EF4-FFF2-40B4-BE49-F238E27FC236}">
-                <a16:creationId xmlns:a16="http://schemas.microsoft.com/office/drawing/2014/main" id="{F1437C7F-83CC-FFAD-68BA-51A03397FEAF}"/>
+                <a16:creationId xmlns:a16="http://schemas.microsoft.com/office/drawing/2014/main" id="{B813681A-3FEE-777B-60A0-3D4C62751A3B}"/>
               </a:ext>
             </a:extLst>
           </p:cNvPr>
@@ -236,7 +236,7 @@
           <p:cNvPr id="4" name="日期占位符 3">
             <a:extLst>
               <a:ext uri="{FF2B5EF4-FFF2-40B4-BE49-F238E27FC236}">
-                <a16:creationId xmlns:a16="http://schemas.microsoft.com/office/drawing/2014/main" id="{9E2441E3-64CF-E87A-25C3-3090E0F9CDA8}"/>
+                <a16:creationId xmlns:a16="http://schemas.microsoft.com/office/drawing/2014/main" id="{2C8BAB93-D7CB-E3DA-FEF1-A57FC4A83229}"/>
               </a:ext>
             </a:extLst>
           </p:cNvPr>
@@ -252,7 +252,7 @@
           <a:bodyPr/>
           <a:lstStyle/>
           <a:p>
-            <a:fld id="{1C45BB96-F7E3-40C1-84B8-A4598F847571}" type="datetimeFigureOut">
+            <a:fld id="{D36ECFAC-4CB4-4A6E-9063-EC128E97A642}" type="datetimeFigureOut">
               <a:rPr lang="zh-CN" altLang="en-US" smtClean="0"/>
               <a:t>2024/3/10</a:t>
             </a:fld>
@@ -265,7 +265,7 @@
           <p:cNvPr id="5" name="页脚占位符 4">
             <a:extLst>
               <a:ext uri="{FF2B5EF4-FFF2-40B4-BE49-F238E27FC236}">
-                <a16:creationId xmlns:a16="http://schemas.microsoft.com/office/drawing/2014/main" id="{CA452A40-B15A-0CF4-95C7-E47BA322B523}"/>
+                <a16:creationId xmlns:a16="http://schemas.microsoft.com/office/drawing/2014/main" id="{05EAA0C6-3E9C-B619-470F-79A1C1B6AAEE}"/>
               </a:ext>
             </a:extLst>
           </p:cNvPr>
@@ -290,7 +290,7 @@
           <p:cNvPr id="6" name="灯片编号占位符 5">
             <a:extLst>
               <a:ext uri="{FF2B5EF4-FFF2-40B4-BE49-F238E27FC236}">
-                <a16:creationId xmlns:a16="http://schemas.microsoft.com/office/drawing/2014/main" id="{CDBEE373-4004-BF07-C30A-3AE09238467E}"/>
+                <a16:creationId xmlns:a16="http://schemas.microsoft.com/office/drawing/2014/main" id="{4AADE5C8-66FC-91D7-7A04-0B381F0C3EDA}"/>
               </a:ext>
             </a:extLst>
           </p:cNvPr>
@@ -306,7 +306,7 @@
           <a:bodyPr/>
           <a:lstStyle/>
           <a:p>
-            <a:fld id="{5D804F80-177C-4077-94B8-4005E0CC1B70}" type="slidenum">
+            <a:fld id="{4FE45B2B-9D9F-44E1-A449-02ADC04075A0}" type="slidenum">
               <a:rPr lang="zh-CN" altLang="en-US" smtClean="0"/>
               <a:t>‹#›</a:t>
             </a:fld>
@@ -317,7 +317,7 @@
     </p:spTree>
     <p:extLst>
       <p:ext uri="{BB962C8B-B14F-4D97-AF65-F5344CB8AC3E}">
-        <p14:creationId xmlns:p14="http://schemas.microsoft.com/office/powerpoint/2010/main" val="1079523548"/>
+        <p14:creationId xmlns:p14="http://schemas.microsoft.com/office/powerpoint/2010/main" val="4293817623"/>
       </p:ext>
     </p:extLst>
   </p:cSld>
@@ -349,7 +349,7 @@
           <p:cNvPr id="2" name="标题 1">
             <a:extLst>
               <a:ext uri="{FF2B5EF4-FFF2-40B4-BE49-F238E27FC236}">
-                <a16:creationId xmlns:a16="http://schemas.microsoft.com/office/drawing/2014/main" id="{E8BA25BF-96B5-5C87-5E5A-7B0BB16F62CF}"/>
+                <a16:creationId xmlns:a16="http://schemas.microsoft.com/office/drawing/2014/main" id="{429091F2-5658-AD56-D6BC-AB9C38EECBAC}"/>
               </a:ext>
             </a:extLst>
           </p:cNvPr>
@@ -377,7 +377,7 @@
           <p:cNvPr id="3" name="竖排文字占位符 2">
             <a:extLst>
               <a:ext uri="{FF2B5EF4-FFF2-40B4-BE49-F238E27FC236}">
-                <a16:creationId xmlns:a16="http://schemas.microsoft.com/office/drawing/2014/main" id="{C33D0CCE-E68B-7E1F-19DC-E6B24BFCA640}"/>
+                <a16:creationId xmlns:a16="http://schemas.microsoft.com/office/drawing/2014/main" id="{DD458A23-0F63-E9FD-B25B-2AD32E3DAB86}"/>
               </a:ext>
             </a:extLst>
           </p:cNvPr>
@@ -434,7 +434,7 @@
           <p:cNvPr id="4" name="日期占位符 3">
             <a:extLst>
               <a:ext uri="{FF2B5EF4-FFF2-40B4-BE49-F238E27FC236}">
-                <a16:creationId xmlns:a16="http://schemas.microsoft.com/office/drawing/2014/main" id="{CD5848A6-1B4D-1A6B-C30B-432ECD0EDA2E}"/>
+                <a16:creationId xmlns:a16="http://schemas.microsoft.com/office/drawing/2014/main" id="{562A45E8-18C9-E574-F7A5-8B2A2ADD16E8}"/>
               </a:ext>
             </a:extLst>
           </p:cNvPr>
@@ -450,7 +450,7 @@
           <a:bodyPr/>
           <a:lstStyle/>
           <a:p>
-            <a:fld id="{1C45BB96-F7E3-40C1-84B8-A4598F847571}" type="datetimeFigureOut">
+            <a:fld id="{D36ECFAC-4CB4-4A6E-9063-EC128E97A642}" type="datetimeFigureOut">
               <a:rPr lang="zh-CN" altLang="en-US" smtClean="0"/>
               <a:t>2024/3/10</a:t>
             </a:fld>
@@ -463,7 +463,7 @@
           <p:cNvPr id="5" name="页脚占位符 4">
             <a:extLst>
               <a:ext uri="{FF2B5EF4-FFF2-40B4-BE49-F238E27FC236}">
-                <a16:creationId xmlns:a16="http://schemas.microsoft.com/office/drawing/2014/main" id="{1DF5A525-1319-9E32-0E1C-1052006F1966}"/>
+                <a16:creationId xmlns:a16="http://schemas.microsoft.com/office/drawing/2014/main" id="{6C12C96F-802E-3C83-BE6D-9973A8CB093C}"/>
               </a:ext>
             </a:extLst>
           </p:cNvPr>
@@ -488,7 +488,7 @@
           <p:cNvPr id="6" name="灯片编号占位符 5">
             <a:extLst>
               <a:ext uri="{FF2B5EF4-FFF2-40B4-BE49-F238E27FC236}">
-                <a16:creationId xmlns:a16="http://schemas.microsoft.com/office/drawing/2014/main" id="{109034A3-4FDF-9BFB-9A6E-9D013C984E49}"/>
+                <a16:creationId xmlns:a16="http://schemas.microsoft.com/office/drawing/2014/main" id="{75F0D602-5C7F-5540-DD26-62D3471434E7}"/>
               </a:ext>
             </a:extLst>
           </p:cNvPr>
@@ -504,7 +504,7 @@
           <a:bodyPr/>
           <a:lstStyle/>
           <a:p>
-            <a:fld id="{5D804F80-177C-4077-94B8-4005E0CC1B70}" type="slidenum">
+            <a:fld id="{4FE45B2B-9D9F-44E1-A449-02ADC04075A0}" type="slidenum">
               <a:rPr lang="zh-CN" altLang="en-US" smtClean="0"/>
               <a:t>‹#›</a:t>
             </a:fld>
@@ -515,7 +515,7 @@
     </p:spTree>
     <p:extLst>
       <p:ext uri="{BB962C8B-B14F-4D97-AF65-F5344CB8AC3E}">
-        <p14:creationId xmlns:p14="http://schemas.microsoft.com/office/powerpoint/2010/main" val="1134385973"/>
+        <p14:creationId xmlns:p14="http://schemas.microsoft.com/office/powerpoint/2010/main" val="3587980213"/>
       </p:ext>
     </p:extLst>
   </p:cSld>
@@ -547,7 +547,7 @@
           <p:cNvPr id="2" name="竖排标题 1">
             <a:extLst>
               <a:ext uri="{FF2B5EF4-FFF2-40B4-BE49-F238E27FC236}">
-                <a16:creationId xmlns:a16="http://schemas.microsoft.com/office/drawing/2014/main" id="{A2C11CB7-ECAC-64B4-2A0A-03EDF7BCE790}"/>
+                <a16:creationId xmlns:a16="http://schemas.microsoft.com/office/drawing/2014/main" id="{458F1AB7-C6C7-BF3E-8A90-8F4063E0E439}"/>
               </a:ext>
             </a:extLst>
           </p:cNvPr>
@@ -580,7 +580,7 @@
           <p:cNvPr id="3" name="竖排文字占位符 2">
             <a:extLst>
               <a:ext uri="{FF2B5EF4-FFF2-40B4-BE49-F238E27FC236}">
-                <a16:creationId xmlns:a16="http://schemas.microsoft.com/office/drawing/2014/main" id="{DA839958-C40D-504A-7C9C-27815A31F684}"/>
+                <a16:creationId xmlns:a16="http://schemas.microsoft.com/office/drawing/2014/main" id="{0DD40C5F-2E55-D42C-BF02-96E6EBC9D464}"/>
               </a:ext>
             </a:extLst>
           </p:cNvPr>
@@ -642,7 +642,7 @@
           <p:cNvPr id="4" name="日期占位符 3">
             <a:extLst>
               <a:ext uri="{FF2B5EF4-FFF2-40B4-BE49-F238E27FC236}">
-                <a16:creationId xmlns:a16="http://schemas.microsoft.com/office/drawing/2014/main" id="{E835893B-C793-E18E-3F53-895DB9A1E046}"/>
+                <a16:creationId xmlns:a16="http://schemas.microsoft.com/office/drawing/2014/main" id="{1CD7A2DB-9896-7E24-937E-5B58B665C9B6}"/>
               </a:ext>
             </a:extLst>
           </p:cNvPr>
@@ -658,7 +658,7 @@
           <a:bodyPr/>
           <a:lstStyle/>
           <a:p>
-            <a:fld id="{1C45BB96-F7E3-40C1-84B8-A4598F847571}" type="datetimeFigureOut">
+            <a:fld id="{D36ECFAC-4CB4-4A6E-9063-EC128E97A642}" type="datetimeFigureOut">
               <a:rPr lang="zh-CN" altLang="en-US" smtClean="0"/>
               <a:t>2024/3/10</a:t>
             </a:fld>
@@ -671,7 +671,7 @@
           <p:cNvPr id="5" name="页脚占位符 4">
             <a:extLst>
               <a:ext uri="{FF2B5EF4-FFF2-40B4-BE49-F238E27FC236}">
-                <a16:creationId xmlns:a16="http://schemas.microsoft.com/office/drawing/2014/main" id="{121E3EA3-2934-0B7D-1CF3-440FCE22F306}"/>
+                <a16:creationId xmlns:a16="http://schemas.microsoft.com/office/drawing/2014/main" id="{EEDE0782-7B2C-9194-FF40-578E36AFC053}"/>
               </a:ext>
             </a:extLst>
           </p:cNvPr>
@@ -696,7 +696,7 @@
           <p:cNvPr id="6" name="灯片编号占位符 5">
             <a:extLst>
               <a:ext uri="{FF2B5EF4-FFF2-40B4-BE49-F238E27FC236}">
-                <a16:creationId xmlns:a16="http://schemas.microsoft.com/office/drawing/2014/main" id="{37F2A4D0-255A-33E5-78EA-7B5A9F300282}"/>
+                <a16:creationId xmlns:a16="http://schemas.microsoft.com/office/drawing/2014/main" id="{F0F4D6E9-4FB3-1583-B604-5B865088E34B}"/>
               </a:ext>
             </a:extLst>
           </p:cNvPr>
@@ -712,7 +712,7 @@
           <a:bodyPr/>
           <a:lstStyle/>
           <a:p>
-            <a:fld id="{5D804F80-177C-4077-94B8-4005E0CC1B70}" type="slidenum">
+            <a:fld id="{4FE45B2B-9D9F-44E1-A449-02ADC04075A0}" type="slidenum">
               <a:rPr lang="zh-CN" altLang="en-US" smtClean="0"/>
               <a:t>‹#›</a:t>
             </a:fld>
@@ -723,7 +723,7 @@
     </p:spTree>
     <p:extLst>
       <p:ext uri="{BB962C8B-B14F-4D97-AF65-F5344CB8AC3E}">
-        <p14:creationId xmlns:p14="http://schemas.microsoft.com/office/powerpoint/2010/main" val="867033363"/>
+        <p14:creationId xmlns:p14="http://schemas.microsoft.com/office/powerpoint/2010/main" val="2031182448"/>
       </p:ext>
     </p:extLst>
   </p:cSld>
@@ -755,7 +755,7 @@
           <p:cNvPr id="2" name="标题 1">
             <a:extLst>
               <a:ext uri="{FF2B5EF4-FFF2-40B4-BE49-F238E27FC236}">
-                <a16:creationId xmlns:a16="http://schemas.microsoft.com/office/drawing/2014/main" id="{328F6B65-D147-4AA8-6E6C-53216F317766}"/>
+                <a16:creationId xmlns:a16="http://schemas.microsoft.com/office/drawing/2014/main" id="{22043EB0-F17A-8350-6FEC-FED232BA8CF4}"/>
               </a:ext>
             </a:extLst>
           </p:cNvPr>
@@ -783,7 +783,7 @@
           <p:cNvPr id="3" name="内容占位符 2">
             <a:extLst>
               <a:ext uri="{FF2B5EF4-FFF2-40B4-BE49-F238E27FC236}">
-                <a16:creationId xmlns:a16="http://schemas.microsoft.com/office/drawing/2014/main" id="{069F0060-92DE-5A7D-60B3-BB6AA5522835}"/>
+                <a16:creationId xmlns:a16="http://schemas.microsoft.com/office/drawing/2014/main" id="{9753E8BC-4CD0-A31C-B8D4-EDC7856877B9}"/>
               </a:ext>
             </a:extLst>
           </p:cNvPr>
@@ -840,7 +840,7 @@
           <p:cNvPr id="4" name="日期占位符 3">
             <a:extLst>
               <a:ext uri="{FF2B5EF4-FFF2-40B4-BE49-F238E27FC236}">
-                <a16:creationId xmlns:a16="http://schemas.microsoft.com/office/drawing/2014/main" id="{EA58E3F4-D429-B82F-FBB9-BA442719243E}"/>
+                <a16:creationId xmlns:a16="http://schemas.microsoft.com/office/drawing/2014/main" id="{0F0AF213-3763-50F1-284B-A20C0C9EBD8C}"/>
               </a:ext>
             </a:extLst>
           </p:cNvPr>
@@ -856,7 +856,7 @@
           <a:bodyPr/>
           <a:lstStyle/>
           <a:p>
-            <a:fld id="{1C45BB96-F7E3-40C1-84B8-A4598F847571}" type="datetimeFigureOut">
+            <a:fld id="{D36ECFAC-4CB4-4A6E-9063-EC128E97A642}" type="datetimeFigureOut">
               <a:rPr lang="zh-CN" altLang="en-US" smtClean="0"/>
               <a:t>2024/3/10</a:t>
             </a:fld>
@@ -869,7 +869,7 @@
           <p:cNvPr id="5" name="页脚占位符 4">
             <a:extLst>
               <a:ext uri="{FF2B5EF4-FFF2-40B4-BE49-F238E27FC236}">
-                <a16:creationId xmlns:a16="http://schemas.microsoft.com/office/drawing/2014/main" id="{FBCC3DEA-FFA9-9C54-C55B-FE633ECC887D}"/>
+                <a16:creationId xmlns:a16="http://schemas.microsoft.com/office/drawing/2014/main" id="{5AA0D2DF-2ABF-B4F7-2B35-5A26C131C7D5}"/>
               </a:ext>
             </a:extLst>
           </p:cNvPr>
@@ -894,7 +894,7 @@
           <p:cNvPr id="6" name="灯片编号占位符 5">
             <a:extLst>
               <a:ext uri="{FF2B5EF4-FFF2-40B4-BE49-F238E27FC236}">
-                <a16:creationId xmlns:a16="http://schemas.microsoft.com/office/drawing/2014/main" id="{C6F76B42-8A28-2FB4-F5DE-C7DAAB4A98CD}"/>
+                <a16:creationId xmlns:a16="http://schemas.microsoft.com/office/drawing/2014/main" id="{10D362C0-BD6E-B16A-4460-57E82EC4DA7B}"/>
               </a:ext>
             </a:extLst>
           </p:cNvPr>
@@ -910,7 +910,7 @@
           <a:bodyPr/>
           <a:lstStyle/>
           <a:p>
-            <a:fld id="{5D804F80-177C-4077-94B8-4005E0CC1B70}" type="slidenum">
+            <a:fld id="{4FE45B2B-9D9F-44E1-A449-02ADC04075A0}" type="slidenum">
               <a:rPr lang="zh-CN" altLang="en-US" smtClean="0"/>
               <a:t>‹#›</a:t>
             </a:fld>
@@ -921,7 +921,7 @@
     </p:spTree>
     <p:extLst>
       <p:ext uri="{BB962C8B-B14F-4D97-AF65-F5344CB8AC3E}">
-        <p14:creationId xmlns:p14="http://schemas.microsoft.com/office/powerpoint/2010/main" val="1865926894"/>
+        <p14:creationId xmlns:p14="http://schemas.microsoft.com/office/powerpoint/2010/main" val="2101152692"/>
       </p:ext>
     </p:extLst>
   </p:cSld>
@@ -953,7 +953,7 @@
           <p:cNvPr id="2" name="标题 1">
             <a:extLst>
               <a:ext uri="{FF2B5EF4-FFF2-40B4-BE49-F238E27FC236}">
-                <a16:creationId xmlns:a16="http://schemas.microsoft.com/office/drawing/2014/main" id="{2DA65C19-60D3-F7C0-9835-EFD06FD335AA}"/>
+                <a16:creationId xmlns:a16="http://schemas.microsoft.com/office/drawing/2014/main" id="{35A7EB54-3CC0-88A1-75D9-FEEB5D08E998}"/>
               </a:ext>
             </a:extLst>
           </p:cNvPr>
@@ -990,7 +990,7 @@
           <p:cNvPr id="3" name="文本占位符 2">
             <a:extLst>
               <a:ext uri="{FF2B5EF4-FFF2-40B4-BE49-F238E27FC236}">
-                <a16:creationId xmlns:a16="http://schemas.microsoft.com/office/drawing/2014/main" id="{E628BC3B-6871-6F52-8579-B78DEB98A73C}"/>
+                <a16:creationId xmlns:a16="http://schemas.microsoft.com/office/drawing/2014/main" id="{3F62CDD6-5EAF-C013-AE62-4B5D761E3972}"/>
               </a:ext>
             </a:extLst>
           </p:cNvPr>
@@ -1115,7 +1115,7 @@
           <p:cNvPr id="4" name="日期占位符 3">
             <a:extLst>
               <a:ext uri="{FF2B5EF4-FFF2-40B4-BE49-F238E27FC236}">
-                <a16:creationId xmlns:a16="http://schemas.microsoft.com/office/drawing/2014/main" id="{DE80A91B-A734-3A8A-5F86-1187B52CB76F}"/>
+                <a16:creationId xmlns:a16="http://schemas.microsoft.com/office/drawing/2014/main" id="{1A6DE6E7-142B-1C04-6848-79AF42904444}"/>
               </a:ext>
             </a:extLst>
           </p:cNvPr>
@@ -1131,7 +1131,7 @@
           <a:bodyPr/>
           <a:lstStyle/>
           <a:p>
-            <a:fld id="{1C45BB96-F7E3-40C1-84B8-A4598F847571}" type="datetimeFigureOut">
+            <a:fld id="{D36ECFAC-4CB4-4A6E-9063-EC128E97A642}" type="datetimeFigureOut">
               <a:rPr lang="zh-CN" altLang="en-US" smtClean="0"/>
               <a:t>2024/3/10</a:t>
             </a:fld>
@@ -1144,7 +1144,7 @@
           <p:cNvPr id="5" name="页脚占位符 4">
             <a:extLst>
               <a:ext uri="{FF2B5EF4-FFF2-40B4-BE49-F238E27FC236}">
-                <a16:creationId xmlns:a16="http://schemas.microsoft.com/office/drawing/2014/main" id="{C576B33C-2C5E-9E00-72C8-A6714D6B5F24}"/>
+                <a16:creationId xmlns:a16="http://schemas.microsoft.com/office/drawing/2014/main" id="{25CB8B05-B1CF-EABD-6376-B51D6B7AEA0B}"/>
               </a:ext>
             </a:extLst>
           </p:cNvPr>
@@ -1169,7 +1169,7 @@
           <p:cNvPr id="6" name="灯片编号占位符 5">
             <a:extLst>
               <a:ext uri="{FF2B5EF4-FFF2-40B4-BE49-F238E27FC236}">
-                <a16:creationId xmlns:a16="http://schemas.microsoft.com/office/drawing/2014/main" id="{F96E9678-1E86-0E3D-AC66-15ED7A59B9FE}"/>
+                <a16:creationId xmlns:a16="http://schemas.microsoft.com/office/drawing/2014/main" id="{A04F0740-EB49-C9E3-44CE-3CCB0EB57A99}"/>
               </a:ext>
             </a:extLst>
           </p:cNvPr>
@@ -1185,7 +1185,7 @@
           <a:bodyPr/>
           <a:lstStyle/>
           <a:p>
-            <a:fld id="{5D804F80-177C-4077-94B8-4005E0CC1B70}" type="slidenum">
+            <a:fld id="{4FE45B2B-9D9F-44E1-A449-02ADC04075A0}" type="slidenum">
               <a:rPr lang="zh-CN" altLang="en-US" smtClean="0"/>
               <a:t>‹#›</a:t>
             </a:fld>
@@ -1196,7 +1196,7 @@
     </p:spTree>
     <p:extLst>
       <p:ext uri="{BB962C8B-B14F-4D97-AF65-F5344CB8AC3E}">
-        <p14:creationId xmlns:p14="http://schemas.microsoft.com/office/powerpoint/2010/main" val="1624776436"/>
+        <p14:creationId xmlns:p14="http://schemas.microsoft.com/office/powerpoint/2010/main" val="2845946036"/>
       </p:ext>
     </p:extLst>
   </p:cSld>
@@ -1228,7 +1228,7 @@
           <p:cNvPr id="2" name="标题 1">
             <a:extLst>
               <a:ext uri="{FF2B5EF4-FFF2-40B4-BE49-F238E27FC236}">
-                <a16:creationId xmlns:a16="http://schemas.microsoft.com/office/drawing/2014/main" id="{E5E8F138-FB11-6B55-8D08-25A0216CF552}"/>
+                <a16:creationId xmlns:a16="http://schemas.microsoft.com/office/drawing/2014/main" id="{4B4E0D27-9FF0-E782-CE37-5D56FC82A1CE}"/>
               </a:ext>
             </a:extLst>
           </p:cNvPr>
@@ -1256,7 +1256,7 @@
           <p:cNvPr id="3" name="内容占位符 2">
             <a:extLst>
               <a:ext uri="{FF2B5EF4-FFF2-40B4-BE49-F238E27FC236}">
-                <a16:creationId xmlns:a16="http://schemas.microsoft.com/office/drawing/2014/main" id="{9F4B62B4-BFB6-2339-F79C-491A026C490E}"/>
+                <a16:creationId xmlns:a16="http://schemas.microsoft.com/office/drawing/2014/main" id="{A27AF43C-5464-478B-48A6-379227833189}"/>
               </a:ext>
             </a:extLst>
           </p:cNvPr>
@@ -1318,7 +1318,7 @@
           <p:cNvPr id="4" name="内容占位符 3">
             <a:extLst>
               <a:ext uri="{FF2B5EF4-FFF2-40B4-BE49-F238E27FC236}">
-                <a16:creationId xmlns:a16="http://schemas.microsoft.com/office/drawing/2014/main" id="{C2965B30-48E3-0CE7-BDA5-D47CBF1AB6F9}"/>
+                <a16:creationId xmlns:a16="http://schemas.microsoft.com/office/drawing/2014/main" id="{F2D86D8F-97A9-37B6-8FFA-D4D2568C942C}"/>
               </a:ext>
             </a:extLst>
           </p:cNvPr>
@@ -1380,7 +1380,7 @@
           <p:cNvPr id="5" name="日期占位符 4">
             <a:extLst>
               <a:ext uri="{FF2B5EF4-FFF2-40B4-BE49-F238E27FC236}">
-                <a16:creationId xmlns:a16="http://schemas.microsoft.com/office/drawing/2014/main" id="{D9DCB2CD-34A2-A433-0AE5-2F47160E2888}"/>
+                <a16:creationId xmlns:a16="http://schemas.microsoft.com/office/drawing/2014/main" id="{7321CD42-F73D-71E5-A3F8-0380418CC6A3}"/>
               </a:ext>
             </a:extLst>
           </p:cNvPr>
@@ -1396,7 +1396,7 @@
           <a:bodyPr/>
           <a:lstStyle/>
           <a:p>
-            <a:fld id="{1C45BB96-F7E3-40C1-84B8-A4598F847571}" type="datetimeFigureOut">
+            <a:fld id="{D36ECFAC-4CB4-4A6E-9063-EC128E97A642}" type="datetimeFigureOut">
               <a:rPr lang="zh-CN" altLang="en-US" smtClean="0"/>
               <a:t>2024/3/10</a:t>
             </a:fld>
@@ -1409,7 +1409,7 @@
           <p:cNvPr id="6" name="页脚占位符 5">
             <a:extLst>
               <a:ext uri="{FF2B5EF4-FFF2-40B4-BE49-F238E27FC236}">
-                <a16:creationId xmlns:a16="http://schemas.microsoft.com/office/drawing/2014/main" id="{FFA3CB80-BA74-47D2-112C-438602FF1AB2}"/>
+                <a16:creationId xmlns:a16="http://schemas.microsoft.com/office/drawing/2014/main" id="{AEDCB723-BFD8-7FB5-E57C-DC9217190D74}"/>
               </a:ext>
             </a:extLst>
           </p:cNvPr>
@@ -1434,7 +1434,7 @@
           <p:cNvPr id="7" name="灯片编号占位符 6">
             <a:extLst>
               <a:ext uri="{FF2B5EF4-FFF2-40B4-BE49-F238E27FC236}">
-                <a16:creationId xmlns:a16="http://schemas.microsoft.com/office/drawing/2014/main" id="{AE9E9E42-92C1-E522-47DF-5CBC01558A1C}"/>
+                <a16:creationId xmlns:a16="http://schemas.microsoft.com/office/drawing/2014/main" id="{D9EDC0BA-37B0-893A-E3CA-7F36842EFE92}"/>
               </a:ext>
             </a:extLst>
           </p:cNvPr>
@@ -1450,7 +1450,7 @@
           <a:bodyPr/>
           <a:lstStyle/>
           <a:p>
-            <a:fld id="{5D804F80-177C-4077-94B8-4005E0CC1B70}" type="slidenum">
+            <a:fld id="{4FE45B2B-9D9F-44E1-A449-02ADC04075A0}" type="slidenum">
               <a:rPr lang="zh-CN" altLang="en-US" smtClean="0"/>
               <a:t>‹#›</a:t>
             </a:fld>
@@ -1461,7 +1461,7 @@
     </p:spTree>
     <p:extLst>
       <p:ext uri="{BB962C8B-B14F-4D97-AF65-F5344CB8AC3E}">
-        <p14:creationId xmlns:p14="http://schemas.microsoft.com/office/powerpoint/2010/main" val="3886189693"/>
+        <p14:creationId xmlns:p14="http://schemas.microsoft.com/office/powerpoint/2010/main" val="96133017"/>
       </p:ext>
     </p:extLst>
   </p:cSld>
@@ -1493,7 +1493,7 @@
           <p:cNvPr id="2" name="标题 1">
             <a:extLst>
               <a:ext uri="{FF2B5EF4-FFF2-40B4-BE49-F238E27FC236}">
-                <a16:creationId xmlns:a16="http://schemas.microsoft.com/office/drawing/2014/main" id="{B020CB38-215C-A6B0-108A-7AC4DF4E36A3}"/>
+                <a16:creationId xmlns:a16="http://schemas.microsoft.com/office/drawing/2014/main" id="{34BF100F-1EA1-9DF2-6DA6-055575EACDBC}"/>
               </a:ext>
             </a:extLst>
           </p:cNvPr>
@@ -1526,7 +1526,7 @@
           <p:cNvPr id="3" name="文本占位符 2">
             <a:extLst>
               <a:ext uri="{FF2B5EF4-FFF2-40B4-BE49-F238E27FC236}">
-                <a16:creationId xmlns:a16="http://schemas.microsoft.com/office/drawing/2014/main" id="{C028946C-1108-B2E7-AAD0-DA6E1CA1CD7E}"/>
+                <a16:creationId xmlns:a16="http://schemas.microsoft.com/office/drawing/2014/main" id="{A0018753-A617-A89B-46C3-7B71975CC36C}"/>
               </a:ext>
             </a:extLst>
           </p:cNvPr>
@@ -1597,7 +1597,7 @@
           <p:cNvPr id="4" name="内容占位符 3">
             <a:extLst>
               <a:ext uri="{FF2B5EF4-FFF2-40B4-BE49-F238E27FC236}">
-                <a16:creationId xmlns:a16="http://schemas.microsoft.com/office/drawing/2014/main" id="{08C14214-F11F-B1DC-2E50-AB6BEE704DB0}"/>
+                <a16:creationId xmlns:a16="http://schemas.microsoft.com/office/drawing/2014/main" id="{E2AF5489-889D-C319-5717-A0AE958D1AC8}"/>
               </a:ext>
             </a:extLst>
           </p:cNvPr>
@@ -1659,7 +1659,7 @@
           <p:cNvPr id="5" name="文本占位符 4">
             <a:extLst>
               <a:ext uri="{FF2B5EF4-FFF2-40B4-BE49-F238E27FC236}">
-                <a16:creationId xmlns:a16="http://schemas.microsoft.com/office/drawing/2014/main" id="{D5DA1D0F-327D-4594-88D8-9C11BE9CD94E}"/>
+                <a16:creationId xmlns:a16="http://schemas.microsoft.com/office/drawing/2014/main" id="{19A960D0-C4B0-95C2-26A7-3323ACCA7373}"/>
               </a:ext>
             </a:extLst>
           </p:cNvPr>
@@ -1730,7 +1730,7 @@
           <p:cNvPr id="6" name="内容占位符 5">
             <a:extLst>
               <a:ext uri="{FF2B5EF4-FFF2-40B4-BE49-F238E27FC236}">
-                <a16:creationId xmlns:a16="http://schemas.microsoft.com/office/drawing/2014/main" id="{330EC070-CB86-C455-4F29-6EC1223B0B0E}"/>
+                <a16:creationId xmlns:a16="http://schemas.microsoft.com/office/drawing/2014/main" id="{73472157-1F7D-8CEB-DDE3-8AA0CC634F9E}"/>
               </a:ext>
             </a:extLst>
           </p:cNvPr>
@@ -1792,7 +1792,7 @@
           <p:cNvPr id="7" name="日期占位符 6">
             <a:extLst>
               <a:ext uri="{FF2B5EF4-FFF2-40B4-BE49-F238E27FC236}">
-                <a16:creationId xmlns:a16="http://schemas.microsoft.com/office/drawing/2014/main" id="{5D3501BA-ECC7-21B3-2368-904EB1A9A860}"/>
+                <a16:creationId xmlns:a16="http://schemas.microsoft.com/office/drawing/2014/main" id="{4BF040C2-A0A1-B3B2-7CEB-ADBA9C7829A5}"/>
               </a:ext>
             </a:extLst>
           </p:cNvPr>
@@ -1808,7 +1808,7 @@
           <a:bodyPr/>
           <a:lstStyle/>
           <a:p>
-            <a:fld id="{1C45BB96-F7E3-40C1-84B8-A4598F847571}" type="datetimeFigureOut">
+            <a:fld id="{D36ECFAC-4CB4-4A6E-9063-EC128E97A642}" type="datetimeFigureOut">
               <a:rPr lang="zh-CN" altLang="en-US" smtClean="0"/>
               <a:t>2024/3/10</a:t>
             </a:fld>
@@ -1821,7 +1821,7 @@
           <p:cNvPr id="8" name="页脚占位符 7">
             <a:extLst>
               <a:ext uri="{FF2B5EF4-FFF2-40B4-BE49-F238E27FC236}">
-                <a16:creationId xmlns:a16="http://schemas.microsoft.com/office/drawing/2014/main" id="{93B8EFD7-D6EE-9A62-9D4E-49D562488E60}"/>
+                <a16:creationId xmlns:a16="http://schemas.microsoft.com/office/drawing/2014/main" id="{8F8A0911-F81D-EB96-9A2D-F91370B6EFB9}"/>
               </a:ext>
             </a:extLst>
           </p:cNvPr>
@@ -1846,7 +1846,7 @@
           <p:cNvPr id="9" name="灯片编号占位符 8">
             <a:extLst>
               <a:ext uri="{FF2B5EF4-FFF2-40B4-BE49-F238E27FC236}">
-                <a16:creationId xmlns:a16="http://schemas.microsoft.com/office/drawing/2014/main" id="{CB072976-E62B-719C-9980-85CB3FAFD628}"/>
+                <a16:creationId xmlns:a16="http://schemas.microsoft.com/office/drawing/2014/main" id="{643FE3BB-E147-36A3-4118-94DF867B9B07}"/>
               </a:ext>
             </a:extLst>
           </p:cNvPr>
@@ -1862,7 +1862,7 @@
           <a:bodyPr/>
           <a:lstStyle/>
           <a:p>
-            <a:fld id="{5D804F80-177C-4077-94B8-4005E0CC1B70}" type="slidenum">
+            <a:fld id="{4FE45B2B-9D9F-44E1-A449-02ADC04075A0}" type="slidenum">
               <a:rPr lang="zh-CN" altLang="en-US" smtClean="0"/>
               <a:t>‹#›</a:t>
             </a:fld>
@@ -1873,7 +1873,7 @@
     </p:spTree>
     <p:extLst>
       <p:ext uri="{BB962C8B-B14F-4D97-AF65-F5344CB8AC3E}">
-        <p14:creationId xmlns:p14="http://schemas.microsoft.com/office/powerpoint/2010/main" val="3665853321"/>
+        <p14:creationId xmlns:p14="http://schemas.microsoft.com/office/powerpoint/2010/main" val="144942513"/>
       </p:ext>
     </p:extLst>
   </p:cSld>
@@ -1905,7 +1905,7 @@
           <p:cNvPr id="2" name="标题 1">
             <a:extLst>
               <a:ext uri="{FF2B5EF4-FFF2-40B4-BE49-F238E27FC236}">
-                <a16:creationId xmlns:a16="http://schemas.microsoft.com/office/drawing/2014/main" id="{CFCE7A55-D39F-A6EF-33CB-6F3066EA6795}"/>
+                <a16:creationId xmlns:a16="http://schemas.microsoft.com/office/drawing/2014/main" id="{8F5689C7-9D14-6B82-EE08-1F634D980551}"/>
               </a:ext>
             </a:extLst>
           </p:cNvPr>
@@ -1933,7 +1933,7 @@
           <p:cNvPr id="3" name="日期占位符 2">
             <a:extLst>
               <a:ext uri="{FF2B5EF4-FFF2-40B4-BE49-F238E27FC236}">
-                <a16:creationId xmlns:a16="http://schemas.microsoft.com/office/drawing/2014/main" id="{9098A89F-573E-3AE3-C156-57C9A8A1A76A}"/>
+                <a16:creationId xmlns:a16="http://schemas.microsoft.com/office/drawing/2014/main" id="{08DBD15E-CECA-6F18-5C7E-A1DA50BA6B49}"/>
               </a:ext>
             </a:extLst>
           </p:cNvPr>
@@ -1949,7 +1949,7 @@
           <a:bodyPr/>
           <a:lstStyle/>
           <a:p>
-            <a:fld id="{1C45BB96-F7E3-40C1-84B8-A4598F847571}" type="datetimeFigureOut">
+            <a:fld id="{D36ECFAC-4CB4-4A6E-9063-EC128E97A642}" type="datetimeFigureOut">
               <a:rPr lang="zh-CN" altLang="en-US" smtClean="0"/>
               <a:t>2024/3/10</a:t>
             </a:fld>
@@ -1962,7 +1962,7 @@
           <p:cNvPr id="4" name="页脚占位符 3">
             <a:extLst>
               <a:ext uri="{FF2B5EF4-FFF2-40B4-BE49-F238E27FC236}">
-                <a16:creationId xmlns:a16="http://schemas.microsoft.com/office/drawing/2014/main" id="{91E445EA-2DAA-2017-564A-880B93ACAB1E}"/>
+                <a16:creationId xmlns:a16="http://schemas.microsoft.com/office/drawing/2014/main" id="{12636D50-7A33-1037-8894-A504D9157DAB}"/>
               </a:ext>
             </a:extLst>
           </p:cNvPr>
@@ -1987,7 +1987,7 @@
           <p:cNvPr id="5" name="灯片编号占位符 4">
             <a:extLst>
               <a:ext uri="{FF2B5EF4-FFF2-40B4-BE49-F238E27FC236}">
-                <a16:creationId xmlns:a16="http://schemas.microsoft.com/office/drawing/2014/main" id="{27B6A31C-6ED5-EF90-5441-8513FCE527EB}"/>
+                <a16:creationId xmlns:a16="http://schemas.microsoft.com/office/drawing/2014/main" id="{B1744386-45B1-FD7F-E019-1BA2E1AA1EC6}"/>
               </a:ext>
             </a:extLst>
           </p:cNvPr>
@@ -2003,7 +2003,7 @@
           <a:bodyPr/>
           <a:lstStyle/>
           <a:p>
-            <a:fld id="{5D804F80-177C-4077-94B8-4005E0CC1B70}" type="slidenum">
+            <a:fld id="{4FE45B2B-9D9F-44E1-A449-02ADC04075A0}" type="slidenum">
               <a:rPr lang="zh-CN" altLang="en-US" smtClean="0"/>
               <a:t>‹#›</a:t>
             </a:fld>
@@ -2014,7 +2014,7 @@
     </p:spTree>
     <p:extLst>
       <p:ext uri="{BB962C8B-B14F-4D97-AF65-F5344CB8AC3E}">
-        <p14:creationId xmlns:p14="http://schemas.microsoft.com/office/powerpoint/2010/main" val="4242484811"/>
+        <p14:creationId xmlns:p14="http://schemas.microsoft.com/office/powerpoint/2010/main" val="3620340657"/>
       </p:ext>
     </p:extLst>
   </p:cSld>
@@ -2046,7 +2046,7 @@
           <p:cNvPr id="2" name="日期占位符 1">
             <a:extLst>
               <a:ext uri="{FF2B5EF4-FFF2-40B4-BE49-F238E27FC236}">
-                <a16:creationId xmlns:a16="http://schemas.microsoft.com/office/drawing/2014/main" id="{92304F56-0159-80CD-7F04-23240BA1F0C8}"/>
+                <a16:creationId xmlns:a16="http://schemas.microsoft.com/office/drawing/2014/main" id="{46595618-1787-C00C-E58C-A0BA3E6EA966}"/>
               </a:ext>
             </a:extLst>
           </p:cNvPr>
@@ -2062,7 +2062,7 @@
           <a:bodyPr/>
           <a:lstStyle/>
           <a:p>
-            <a:fld id="{1C45BB96-F7E3-40C1-84B8-A4598F847571}" type="datetimeFigureOut">
+            <a:fld id="{D36ECFAC-4CB4-4A6E-9063-EC128E97A642}" type="datetimeFigureOut">
               <a:rPr lang="zh-CN" altLang="en-US" smtClean="0"/>
               <a:t>2024/3/10</a:t>
             </a:fld>
@@ -2075,7 +2075,7 @@
           <p:cNvPr id="3" name="页脚占位符 2">
             <a:extLst>
               <a:ext uri="{FF2B5EF4-FFF2-40B4-BE49-F238E27FC236}">
-                <a16:creationId xmlns:a16="http://schemas.microsoft.com/office/drawing/2014/main" id="{DF328A85-F93F-AB7F-FC60-75014ECA3E45}"/>
+                <a16:creationId xmlns:a16="http://schemas.microsoft.com/office/drawing/2014/main" id="{5E6C3F5A-D0F4-7B14-F6C5-181A4E052220}"/>
               </a:ext>
             </a:extLst>
           </p:cNvPr>
@@ -2100,7 +2100,7 @@
           <p:cNvPr id="4" name="灯片编号占位符 3">
             <a:extLst>
               <a:ext uri="{FF2B5EF4-FFF2-40B4-BE49-F238E27FC236}">
-                <a16:creationId xmlns:a16="http://schemas.microsoft.com/office/drawing/2014/main" id="{DF36B82A-3646-C352-CD0D-ED6968B378D3}"/>
+                <a16:creationId xmlns:a16="http://schemas.microsoft.com/office/drawing/2014/main" id="{32AAAA91-012A-FA32-6AF4-3ED65D91CD24}"/>
               </a:ext>
             </a:extLst>
           </p:cNvPr>
@@ -2116,7 +2116,7 @@
           <a:bodyPr/>
           <a:lstStyle/>
           <a:p>
-            <a:fld id="{5D804F80-177C-4077-94B8-4005E0CC1B70}" type="slidenum">
+            <a:fld id="{4FE45B2B-9D9F-44E1-A449-02ADC04075A0}" type="slidenum">
               <a:rPr lang="zh-CN" altLang="en-US" smtClean="0"/>
               <a:t>‹#›</a:t>
             </a:fld>
@@ -2127,7 +2127,7 @@
     </p:spTree>
     <p:extLst>
       <p:ext uri="{BB962C8B-B14F-4D97-AF65-F5344CB8AC3E}">
-        <p14:creationId xmlns:p14="http://schemas.microsoft.com/office/powerpoint/2010/main" val="2879235989"/>
+        <p14:creationId xmlns:p14="http://schemas.microsoft.com/office/powerpoint/2010/main" val="1676439410"/>
       </p:ext>
     </p:extLst>
   </p:cSld>
@@ -2159,7 +2159,7 @@
           <p:cNvPr id="2" name="标题 1">
             <a:extLst>
               <a:ext uri="{FF2B5EF4-FFF2-40B4-BE49-F238E27FC236}">
-                <a16:creationId xmlns:a16="http://schemas.microsoft.com/office/drawing/2014/main" id="{AB7D0FA3-C57C-F61B-859D-F1DEE9BB385B}"/>
+                <a16:creationId xmlns:a16="http://schemas.microsoft.com/office/drawing/2014/main" id="{DD1B1106-C360-49F3-C7CB-24868FD14899}"/>
               </a:ext>
             </a:extLst>
           </p:cNvPr>
@@ -2196,7 +2196,7 @@
           <p:cNvPr id="3" name="内容占位符 2">
             <a:extLst>
               <a:ext uri="{FF2B5EF4-FFF2-40B4-BE49-F238E27FC236}">
-                <a16:creationId xmlns:a16="http://schemas.microsoft.com/office/drawing/2014/main" id="{3394E2C1-CFA0-92D4-2B68-379D749F81FF}"/>
+                <a16:creationId xmlns:a16="http://schemas.microsoft.com/office/drawing/2014/main" id="{118C130F-B438-E794-432B-D7A6F491BB68}"/>
               </a:ext>
             </a:extLst>
           </p:cNvPr>
@@ -2286,7 +2286,7 @@
           <p:cNvPr id="4" name="文本占位符 3">
             <a:extLst>
               <a:ext uri="{FF2B5EF4-FFF2-40B4-BE49-F238E27FC236}">
-                <a16:creationId xmlns:a16="http://schemas.microsoft.com/office/drawing/2014/main" id="{5DAA3F69-4498-C143-1D16-FCA8D64C0494}"/>
+                <a16:creationId xmlns:a16="http://schemas.microsoft.com/office/drawing/2014/main" id="{32DD0AAB-6F27-7FC0-54D0-F876AF140417}"/>
               </a:ext>
             </a:extLst>
           </p:cNvPr>
@@ -2357,7 +2357,7 @@
           <p:cNvPr id="5" name="日期占位符 4">
             <a:extLst>
               <a:ext uri="{FF2B5EF4-FFF2-40B4-BE49-F238E27FC236}">
-                <a16:creationId xmlns:a16="http://schemas.microsoft.com/office/drawing/2014/main" id="{F01C18DA-9120-65EC-F3A5-DB13D36F8CB0}"/>
+                <a16:creationId xmlns:a16="http://schemas.microsoft.com/office/drawing/2014/main" id="{2A6568A4-0EA9-CEDA-D753-408C1585DA64}"/>
               </a:ext>
             </a:extLst>
           </p:cNvPr>
@@ -2373,7 +2373,7 @@
           <a:bodyPr/>
           <a:lstStyle/>
           <a:p>
-            <a:fld id="{1C45BB96-F7E3-40C1-84B8-A4598F847571}" type="datetimeFigureOut">
+            <a:fld id="{D36ECFAC-4CB4-4A6E-9063-EC128E97A642}" type="datetimeFigureOut">
               <a:rPr lang="zh-CN" altLang="en-US" smtClean="0"/>
               <a:t>2024/3/10</a:t>
             </a:fld>
@@ -2386,7 +2386,7 @@
           <p:cNvPr id="6" name="页脚占位符 5">
             <a:extLst>
               <a:ext uri="{FF2B5EF4-FFF2-40B4-BE49-F238E27FC236}">
-                <a16:creationId xmlns:a16="http://schemas.microsoft.com/office/drawing/2014/main" id="{EAF1D39D-1BC2-D68D-CE8F-C6CD5EDA573F}"/>
+                <a16:creationId xmlns:a16="http://schemas.microsoft.com/office/drawing/2014/main" id="{0450277E-5BF7-9070-ABBB-34A890366EC9}"/>
               </a:ext>
             </a:extLst>
           </p:cNvPr>
@@ -2411,7 +2411,7 @@
           <p:cNvPr id="7" name="灯片编号占位符 6">
             <a:extLst>
               <a:ext uri="{FF2B5EF4-FFF2-40B4-BE49-F238E27FC236}">
-                <a16:creationId xmlns:a16="http://schemas.microsoft.com/office/drawing/2014/main" id="{A12B6DA4-E27D-D604-86D1-4BE0D499A95B}"/>
+                <a16:creationId xmlns:a16="http://schemas.microsoft.com/office/drawing/2014/main" id="{4EE813A0-6FCF-E5D5-E58F-63045E3526EF}"/>
               </a:ext>
             </a:extLst>
           </p:cNvPr>
@@ -2427,7 +2427,7 @@
           <a:bodyPr/>
           <a:lstStyle/>
           <a:p>
-            <a:fld id="{5D804F80-177C-4077-94B8-4005E0CC1B70}" type="slidenum">
+            <a:fld id="{4FE45B2B-9D9F-44E1-A449-02ADC04075A0}" type="slidenum">
               <a:rPr lang="zh-CN" altLang="en-US" smtClean="0"/>
               <a:t>‹#›</a:t>
             </a:fld>
@@ -2438,7 +2438,7 @@
     </p:spTree>
     <p:extLst>
       <p:ext uri="{BB962C8B-B14F-4D97-AF65-F5344CB8AC3E}">
-        <p14:creationId xmlns:p14="http://schemas.microsoft.com/office/powerpoint/2010/main" val="831105933"/>
+        <p14:creationId xmlns:p14="http://schemas.microsoft.com/office/powerpoint/2010/main" val="2181936445"/>
       </p:ext>
     </p:extLst>
   </p:cSld>
@@ -2470,7 +2470,7 @@
           <p:cNvPr id="2" name="标题 1">
             <a:extLst>
               <a:ext uri="{FF2B5EF4-FFF2-40B4-BE49-F238E27FC236}">
-                <a16:creationId xmlns:a16="http://schemas.microsoft.com/office/drawing/2014/main" id="{2E2B67C7-0126-E7F0-3660-C96B07AB4047}"/>
+                <a16:creationId xmlns:a16="http://schemas.microsoft.com/office/drawing/2014/main" id="{DFEDE769-9969-F52F-8695-552515D3847B}"/>
               </a:ext>
             </a:extLst>
           </p:cNvPr>
@@ -2507,7 +2507,7 @@
           <p:cNvPr id="3" name="图片占位符 2">
             <a:extLst>
               <a:ext uri="{FF2B5EF4-FFF2-40B4-BE49-F238E27FC236}">
-                <a16:creationId xmlns:a16="http://schemas.microsoft.com/office/drawing/2014/main" id="{5C156298-56B4-7281-6BE4-8F382DB086CB}"/>
+                <a16:creationId xmlns:a16="http://schemas.microsoft.com/office/drawing/2014/main" id="{6E4CCDD0-59E8-259F-339C-B77244356037}"/>
               </a:ext>
             </a:extLst>
           </p:cNvPr>
@@ -2574,7 +2574,7 @@
           <p:cNvPr id="4" name="文本占位符 3">
             <a:extLst>
               <a:ext uri="{FF2B5EF4-FFF2-40B4-BE49-F238E27FC236}">
-                <a16:creationId xmlns:a16="http://schemas.microsoft.com/office/drawing/2014/main" id="{4C8D76FB-20BB-A340-D8BB-34A3B04BE01D}"/>
+                <a16:creationId xmlns:a16="http://schemas.microsoft.com/office/drawing/2014/main" id="{EB1156EC-3C0E-477C-3319-012E0A2EC232}"/>
               </a:ext>
             </a:extLst>
           </p:cNvPr>
@@ -2645,7 +2645,7 @@
           <p:cNvPr id="5" name="日期占位符 4">
             <a:extLst>
               <a:ext uri="{FF2B5EF4-FFF2-40B4-BE49-F238E27FC236}">
-                <a16:creationId xmlns:a16="http://schemas.microsoft.com/office/drawing/2014/main" id="{779D11BB-867B-BBEC-9DC3-6C30D09919A6}"/>
+                <a16:creationId xmlns:a16="http://schemas.microsoft.com/office/drawing/2014/main" id="{81372CDF-693D-69E1-E825-615FD2FD4C70}"/>
               </a:ext>
             </a:extLst>
           </p:cNvPr>
@@ -2661,7 +2661,7 @@
           <a:bodyPr/>
           <a:lstStyle/>
           <a:p>
-            <a:fld id="{1C45BB96-F7E3-40C1-84B8-A4598F847571}" type="datetimeFigureOut">
+            <a:fld id="{D36ECFAC-4CB4-4A6E-9063-EC128E97A642}" type="datetimeFigureOut">
               <a:rPr lang="zh-CN" altLang="en-US" smtClean="0"/>
               <a:t>2024/3/10</a:t>
             </a:fld>
@@ -2674,7 +2674,7 @@
           <p:cNvPr id="6" name="页脚占位符 5">
             <a:extLst>
               <a:ext uri="{FF2B5EF4-FFF2-40B4-BE49-F238E27FC236}">
-                <a16:creationId xmlns:a16="http://schemas.microsoft.com/office/drawing/2014/main" id="{2AF5A76E-FDF4-2432-8E20-034C90AF439A}"/>
+                <a16:creationId xmlns:a16="http://schemas.microsoft.com/office/drawing/2014/main" id="{E39FE8D0-1DD7-EAAB-B84F-98CB218D8A12}"/>
               </a:ext>
             </a:extLst>
           </p:cNvPr>
@@ -2699,7 +2699,7 @@
           <p:cNvPr id="7" name="灯片编号占位符 6">
             <a:extLst>
               <a:ext uri="{FF2B5EF4-FFF2-40B4-BE49-F238E27FC236}">
-                <a16:creationId xmlns:a16="http://schemas.microsoft.com/office/drawing/2014/main" id="{A5A3036A-A4A2-31F8-F9B8-2A23C881216B}"/>
+                <a16:creationId xmlns:a16="http://schemas.microsoft.com/office/drawing/2014/main" id="{4D503004-F3D5-64AA-1C54-99E1918CA34E}"/>
               </a:ext>
             </a:extLst>
           </p:cNvPr>
@@ -2715,7 +2715,7 @@
           <a:bodyPr/>
           <a:lstStyle/>
           <a:p>
-            <a:fld id="{5D804F80-177C-4077-94B8-4005E0CC1B70}" type="slidenum">
+            <a:fld id="{4FE45B2B-9D9F-44E1-A449-02ADC04075A0}" type="slidenum">
               <a:rPr lang="zh-CN" altLang="en-US" smtClean="0"/>
               <a:t>‹#›</a:t>
             </a:fld>
@@ -2726,7 +2726,7 @@
     </p:spTree>
     <p:extLst>
       <p:ext uri="{BB962C8B-B14F-4D97-AF65-F5344CB8AC3E}">
-        <p14:creationId xmlns:p14="http://schemas.microsoft.com/office/powerpoint/2010/main" val="561561620"/>
+        <p14:creationId xmlns:p14="http://schemas.microsoft.com/office/powerpoint/2010/main" val="3299623413"/>
       </p:ext>
     </p:extLst>
   </p:cSld>
@@ -2763,7 +2763,7 @@
           <p:cNvPr id="2" name="标题占位符 1">
             <a:extLst>
               <a:ext uri="{FF2B5EF4-FFF2-40B4-BE49-F238E27FC236}">
-                <a16:creationId xmlns:a16="http://schemas.microsoft.com/office/drawing/2014/main" id="{C2147928-104C-228C-8E8D-09E2D4243CE0}"/>
+                <a16:creationId xmlns:a16="http://schemas.microsoft.com/office/drawing/2014/main" id="{7502DD5D-9D57-CA5E-67AA-B8FCADACD60B}"/>
               </a:ext>
             </a:extLst>
           </p:cNvPr>
@@ -2801,7 +2801,7 @@
           <p:cNvPr id="3" name="文本占位符 2">
             <a:extLst>
               <a:ext uri="{FF2B5EF4-FFF2-40B4-BE49-F238E27FC236}">
-                <a16:creationId xmlns:a16="http://schemas.microsoft.com/office/drawing/2014/main" id="{B78C8117-D761-DB6C-9334-1BA4C0E23DA0}"/>
+                <a16:creationId xmlns:a16="http://schemas.microsoft.com/office/drawing/2014/main" id="{35094B8B-9080-E38B-CB40-BF46D3991C72}"/>
               </a:ext>
             </a:extLst>
           </p:cNvPr>
@@ -2868,7 +2868,7 @@
           <p:cNvPr id="4" name="日期占位符 3">
             <a:extLst>
               <a:ext uri="{FF2B5EF4-FFF2-40B4-BE49-F238E27FC236}">
-                <a16:creationId xmlns:a16="http://schemas.microsoft.com/office/drawing/2014/main" id="{82964A3A-58A3-BA6F-DB52-530CD6299288}"/>
+                <a16:creationId xmlns:a16="http://schemas.microsoft.com/office/drawing/2014/main" id="{B7CFA621-8206-ADF2-8511-38E8D8083A8F}"/>
               </a:ext>
             </a:extLst>
           </p:cNvPr>
@@ -2902,7 +2902,7 @@
             </a:lvl1pPr>
           </a:lstStyle>
           <a:p>
-            <a:fld id="{1C45BB96-F7E3-40C1-84B8-A4598F847571}" type="datetimeFigureOut">
+            <a:fld id="{D36ECFAC-4CB4-4A6E-9063-EC128E97A642}" type="datetimeFigureOut">
               <a:rPr lang="zh-CN" altLang="en-US" smtClean="0"/>
               <a:t>2024/3/10</a:t>
             </a:fld>
@@ -2915,7 +2915,7 @@
           <p:cNvPr id="5" name="页脚占位符 4">
             <a:extLst>
               <a:ext uri="{FF2B5EF4-FFF2-40B4-BE49-F238E27FC236}">
-                <a16:creationId xmlns:a16="http://schemas.microsoft.com/office/drawing/2014/main" id="{1D28BCC0-0795-01C7-E5CB-42D6CF854E45}"/>
+                <a16:creationId xmlns:a16="http://schemas.microsoft.com/office/drawing/2014/main" id="{2B8615A6-B91F-8C86-1C1D-FA5943365BD3}"/>
               </a:ext>
             </a:extLst>
           </p:cNvPr>
@@ -2958,7 +2958,7 @@
           <p:cNvPr id="6" name="灯片编号占位符 5">
             <a:extLst>
               <a:ext uri="{FF2B5EF4-FFF2-40B4-BE49-F238E27FC236}">
-                <a16:creationId xmlns:a16="http://schemas.microsoft.com/office/drawing/2014/main" id="{889D49D8-DAA8-DC02-29FD-6A36F0D0ACAE}"/>
+                <a16:creationId xmlns:a16="http://schemas.microsoft.com/office/drawing/2014/main" id="{BA077628-FD3E-DB47-15A1-83B769FC86D6}"/>
               </a:ext>
             </a:extLst>
           </p:cNvPr>
@@ -2992,7 +2992,7 @@
             </a:lvl1pPr>
           </a:lstStyle>
           <a:p>
-            <a:fld id="{5D804F80-177C-4077-94B8-4005E0CC1B70}" type="slidenum">
+            <a:fld id="{4FE45B2B-9D9F-44E1-A449-02ADC04075A0}" type="slidenum">
               <a:rPr lang="zh-CN" altLang="en-US" smtClean="0"/>
               <a:t>‹#›</a:t>
             </a:fld>
@@ -3003,7 +3003,7 @@
     </p:spTree>
     <p:extLst>
       <p:ext uri="{BB962C8B-B14F-4D97-AF65-F5344CB8AC3E}">
-        <p14:creationId xmlns:p14="http://schemas.microsoft.com/office/powerpoint/2010/main" val="3627844213"/>
+        <p14:creationId xmlns:p14="http://schemas.microsoft.com/office/powerpoint/2010/main" val="3142038313"/>
       </p:ext>
     </p:extLst>
   </p:cSld>
